--- a/CLIENT SERVER 1.pptx
+++ b/CLIENT SERVER 1.pptx
@@ -24,6 +24,9 @@
     <p:sldId id="272" r:id="rId18"/>
     <p:sldId id="273" r:id="rId19"/>
     <p:sldId id="274" r:id="rId20"/>
+    <p:sldId id="275" r:id="rId21"/>
+    <p:sldId id="276" r:id="rId22"/>
+    <p:sldId id="277" r:id="rId23"/>
   </p:sldIdLst>
   <p:sldSz cx="12192000" cy="6858000"/>
   <p:notesSz cx="6858000" cy="9144000"/>
@@ -146,6 +149,9 @@
             <p14:sldId id="272"/>
             <p14:sldId id="273"/>
             <p14:sldId id="274"/>
+            <p14:sldId id="275"/>
+            <p14:sldId id="276"/>
+            <p14:sldId id="277"/>
           </p14:sldIdLst>
         </p14:section>
       </p14:sectionLst>
@@ -214,7 +220,7 @@
           <a:noFill/>
           <a:extLst>
             <a:ext uri="{909E8E84-426E-40dd-AFC4-6F175D3DCCD1}">
-              <a14:hiddenFill xmlns:a14="http://schemas.microsoft.com/office/drawing/2010/main" xmlns="">
+              <a14:hiddenFill xmlns="" xmlns:a14="http://schemas.microsoft.com/office/drawing/2010/main">
                 <a:solidFill>
                   <a:srgbClr val="FFFFFF"/>
                 </a:solidFill>
@@ -273,7 +279,7 @@
             </a:ln>
             <a:extLst>
               <a:ext uri="{91240B29-F687-4f45-9708-019B960494DF}">
-                <a14:hiddenLine xmlns:a14="http://schemas.microsoft.com/office/drawing/2010/main" xmlns="" w="9525">
+                <a14:hiddenLine xmlns="" xmlns:a14="http://schemas.microsoft.com/office/drawing/2010/main" w="9525">
                   <a:solidFill>
                     <a:srgbClr val="000000"/>
                   </a:solidFill>
@@ -363,7 +369,7 @@
             </a:ln>
             <a:extLst>
               <a:ext uri="{91240B29-F687-4f45-9708-019B960494DF}">
-                <a14:hiddenLine xmlns:a14="http://schemas.microsoft.com/office/drawing/2010/main" xmlns="" w="9525">
+                <a14:hiddenLine xmlns="" xmlns:a14="http://schemas.microsoft.com/office/drawing/2010/main" w="9525">
                   <a:solidFill>
                     <a:srgbClr val="000000"/>
                   </a:solidFill>
@@ -453,7 +459,7 @@
             </a:ln>
             <a:extLst>
               <a:ext uri="{91240B29-F687-4f45-9708-019B960494DF}">
-                <a14:hiddenLine xmlns:a14="http://schemas.microsoft.com/office/drawing/2010/main" xmlns="" w="9525">
+                <a14:hiddenLine xmlns="" xmlns:a14="http://schemas.microsoft.com/office/drawing/2010/main" w="9525">
                   <a:solidFill>
                     <a:srgbClr val="000000"/>
                   </a:solidFill>
@@ -487,7 +493,7 @@
             </a:ln>
             <a:extLst>
               <a:ext uri="{91240B29-F687-4f45-9708-019B960494DF}">
-                <a14:hiddenLine xmlns:a14="http://schemas.microsoft.com/office/drawing/2010/main" xmlns="" w="9525">
+                <a14:hiddenLine xmlns="" xmlns:a14="http://schemas.microsoft.com/office/drawing/2010/main" w="9525">
                   <a:solidFill>
                     <a:srgbClr val="000000"/>
                   </a:solidFill>
@@ -577,7 +583,7 @@
             </a:ln>
             <a:extLst>
               <a:ext uri="{91240B29-F687-4f45-9708-019B960494DF}">
-                <a14:hiddenLine xmlns:a14="http://schemas.microsoft.com/office/drawing/2010/main" xmlns="" w="9525">
+                <a14:hiddenLine xmlns="" xmlns:a14="http://schemas.microsoft.com/office/drawing/2010/main" w="9525">
                   <a:solidFill>
                     <a:srgbClr val="000000"/>
                   </a:solidFill>
@@ -639,7 +645,7 @@
             </a:ln>
             <a:extLst>
               <a:ext uri="{91240B29-F687-4f45-9708-019B960494DF}">
-                <a14:hiddenLine xmlns:a14="http://schemas.microsoft.com/office/drawing/2010/main" xmlns="" w="9525">
+                <a14:hiddenLine xmlns="" xmlns:a14="http://schemas.microsoft.com/office/drawing/2010/main" w="9525">
                   <a:solidFill>
                     <a:srgbClr val="000000"/>
                   </a:solidFill>
@@ -701,7 +707,7 @@
             </a:ln>
             <a:extLst>
               <a:ext uri="{91240B29-F687-4f45-9708-019B960494DF}">
-                <a14:hiddenLine xmlns:a14="http://schemas.microsoft.com/office/drawing/2010/main" xmlns="" w="9525">
+                <a14:hiddenLine xmlns="" xmlns:a14="http://schemas.microsoft.com/office/drawing/2010/main" w="9525">
                   <a:solidFill>
                     <a:srgbClr val="000000"/>
                   </a:solidFill>
@@ -791,7 +797,7 @@
             </a:ln>
             <a:extLst>
               <a:ext uri="{91240B29-F687-4f45-9708-019B960494DF}">
-                <a14:hiddenLine xmlns:a14="http://schemas.microsoft.com/office/drawing/2010/main" xmlns="" w="9525">
+                <a14:hiddenLine xmlns="" xmlns:a14="http://schemas.microsoft.com/office/drawing/2010/main" w="9525">
                   <a:solidFill>
                     <a:srgbClr val="000000"/>
                   </a:solidFill>
@@ -853,7 +859,7 @@
             </a:ln>
             <a:extLst>
               <a:ext uri="{91240B29-F687-4f45-9708-019B960494DF}">
-                <a14:hiddenLine xmlns:a14="http://schemas.microsoft.com/office/drawing/2010/main" xmlns="" w="9525">
+                <a14:hiddenLine xmlns="" xmlns:a14="http://schemas.microsoft.com/office/drawing/2010/main" w="9525">
                   <a:solidFill>
                     <a:srgbClr val="000000"/>
                   </a:solidFill>
@@ -915,7 +921,7 @@
             </a:ln>
             <a:extLst>
               <a:ext uri="{91240B29-F687-4f45-9708-019B960494DF}">
-                <a14:hiddenLine xmlns:a14="http://schemas.microsoft.com/office/drawing/2010/main" xmlns="" w="9525">
+                <a14:hiddenLine xmlns="" xmlns:a14="http://schemas.microsoft.com/office/drawing/2010/main" w="9525">
                   <a:solidFill>
                     <a:srgbClr val="000000"/>
                   </a:solidFill>
@@ -1005,7 +1011,7 @@
             </a:ln>
             <a:extLst>
               <a:ext uri="{91240B29-F687-4f45-9708-019B960494DF}">
-                <a14:hiddenLine xmlns:a14="http://schemas.microsoft.com/office/drawing/2010/main" xmlns="" w="9525">
+                <a14:hiddenLine xmlns="" xmlns:a14="http://schemas.microsoft.com/office/drawing/2010/main" w="9525">
                   <a:solidFill>
                     <a:srgbClr val="000000"/>
                   </a:solidFill>
@@ -1095,7 +1101,7 @@
             </a:ln>
             <a:extLst>
               <a:ext uri="{91240B29-F687-4f45-9708-019B960494DF}">
-                <a14:hiddenLine xmlns:a14="http://schemas.microsoft.com/office/drawing/2010/main" xmlns="" w="9525">
+                <a14:hiddenLine xmlns="" xmlns:a14="http://schemas.microsoft.com/office/drawing/2010/main" w="9525">
                   <a:solidFill>
                     <a:srgbClr val="000000"/>
                   </a:solidFill>
@@ -1157,7 +1163,7 @@
             </a:ln>
             <a:extLst>
               <a:ext uri="{91240B29-F687-4f45-9708-019B960494DF}">
-                <a14:hiddenLine xmlns:a14="http://schemas.microsoft.com/office/drawing/2010/main" xmlns="" w="9525">
+                <a14:hiddenLine xmlns="" xmlns:a14="http://schemas.microsoft.com/office/drawing/2010/main" w="9525">
                   <a:solidFill>
                     <a:srgbClr val="000000"/>
                   </a:solidFill>
@@ -1267,7 +1273,7 @@
             </a:ln>
             <a:extLst>
               <a:ext uri="{91240B29-F687-4f45-9708-019B960494DF}">
-                <a14:hiddenLine xmlns:a14="http://schemas.microsoft.com/office/drawing/2010/main" xmlns="" w="9525">
+                <a14:hiddenLine xmlns="" xmlns:a14="http://schemas.microsoft.com/office/drawing/2010/main" w="9525">
                   <a:solidFill>
                     <a:srgbClr val="000000"/>
                   </a:solidFill>
@@ -1329,7 +1335,7 @@
             </a:ln>
             <a:extLst>
               <a:ext uri="{91240B29-F687-4f45-9708-019B960494DF}">
-                <a14:hiddenLine xmlns:a14="http://schemas.microsoft.com/office/drawing/2010/main" xmlns="" w="9525">
+                <a14:hiddenLine xmlns="" xmlns:a14="http://schemas.microsoft.com/office/drawing/2010/main" w="9525">
                   <a:solidFill>
                     <a:srgbClr val="000000"/>
                   </a:solidFill>
@@ -1419,7 +1425,7 @@
             </a:ln>
             <a:extLst>
               <a:ext uri="{91240B29-F687-4f45-9708-019B960494DF}">
-                <a14:hiddenLine xmlns:a14="http://schemas.microsoft.com/office/drawing/2010/main" xmlns="" w="9525">
+                <a14:hiddenLine xmlns="" xmlns:a14="http://schemas.microsoft.com/office/drawing/2010/main" w="9525">
                   <a:solidFill>
                     <a:srgbClr val="000000"/>
                   </a:solidFill>
@@ -1509,7 +1515,7 @@
             </a:ln>
             <a:extLst>
               <a:ext uri="{91240B29-F687-4f45-9708-019B960494DF}">
-                <a14:hiddenLine xmlns:a14="http://schemas.microsoft.com/office/drawing/2010/main" xmlns="" w="9525">
+                <a14:hiddenLine xmlns="" xmlns:a14="http://schemas.microsoft.com/office/drawing/2010/main" w="9525">
                   <a:solidFill>
                     <a:srgbClr val="000000"/>
                   </a:solidFill>
@@ -1571,7 +1577,7 @@
             </a:ln>
             <a:extLst>
               <a:ext uri="{91240B29-F687-4f45-9708-019B960494DF}">
-                <a14:hiddenLine xmlns:a14="http://schemas.microsoft.com/office/drawing/2010/main" xmlns="" w="9525">
+                <a14:hiddenLine xmlns="" xmlns:a14="http://schemas.microsoft.com/office/drawing/2010/main" w="9525">
                   <a:solidFill>
                     <a:srgbClr val="000000"/>
                   </a:solidFill>
@@ -1661,7 +1667,7 @@
             </a:ln>
             <a:extLst>
               <a:ext uri="{91240B29-F687-4f45-9708-019B960494DF}">
-                <a14:hiddenLine xmlns:a14="http://schemas.microsoft.com/office/drawing/2010/main" xmlns="" w="9525">
+                <a14:hiddenLine xmlns="" xmlns:a14="http://schemas.microsoft.com/office/drawing/2010/main" w="9525">
                   <a:solidFill>
                     <a:srgbClr val="000000"/>
                   </a:solidFill>
@@ -1751,7 +1757,7 @@
             </a:ln>
             <a:extLst>
               <a:ext uri="{91240B29-F687-4f45-9708-019B960494DF}">
-                <a14:hiddenLine xmlns:a14="http://schemas.microsoft.com/office/drawing/2010/main" xmlns="" w="9525">
+                <a14:hiddenLine xmlns="" xmlns:a14="http://schemas.microsoft.com/office/drawing/2010/main" w="9525">
                   <a:solidFill>
                     <a:srgbClr val="000000"/>
                   </a:solidFill>
@@ -1807,7 +1813,7 @@
             </a:ln>
             <a:extLst>
               <a:ext uri="{91240B29-F687-4f45-9708-019B960494DF}">
-                <a14:hiddenLine xmlns:a14="http://schemas.microsoft.com/office/drawing/2010/main" xmlns="" w="9525">
+                <a14:hiddenLine xmlns="" xmlns:a14="http://schemas.microsoft.com/office/drawing/2010/main" w="9525">
                   <a:solidFill>
                     <a:srgbClr val="000000"/>
                   </a:solidFill>
@@ -1897,7 +1903,7 @@
             </a:ln>
             <a:extLst>
               <a:ext uri="{91240B29-F687-4f45-9708-019B960494DF}">
-                <a14:hiddenLine xmlns:a14="http://schemas.microsoft.com/office/drawing/2010/main" xmlns="" w="9525">
+                <a14:hiddenLine xmlns="" xmlns:a14="http://schemas.microsoft.com/office/drawing/2010/main" w="9525">
                   <a:solidFill>
                     <a:srgbClr val="000000"/>
                   </a:solidFill>
@@ -1953,7 +1959,7 @@
             </a:ln>
             <a:extLst>
               <a:ext uri="{91240B29-F687-4f45-9708-019B960494DF}">
-                <a14:hiddenLine xmlns:a14="http://schemas.microsoft.com/office/drawing/2010/main" xmlns="" w="9525">
+                <a14:hiddenLine xmlns="" xmlns:a14="http://schemas.microsoft.com/office/drawing/2010/main" w="9525">
                   <a:solidFill>
                     <a:srgbClr val="000000"/>
                   </a:solidFill>
@@ -2043,7 +2049,7 @@
             </a:ln>
             <a:extLst>
               <a:ext uri="{91240B29-F687-4f45-9708-019B960494DF}">
-                <a14:hiddenLine xmlns:a14="http://schemas.microsoft.com/office/drawing/2010/main" xmlns="" w="9525">
+                <a14:hiddenLine xmlns="" xmlns:a14="http://schemas.microsoft.com/office/drawing/2010/main" w="9525">
                   <a:solidFill>
                     <a:srgbClr val="000000"/>
                   </a:solidFill>
@@ -2111,7 +2117,7 @@
             </a:ln>
             <a:extLst>
               <a:ext uri="{91240B29-F687-4f45-9708-019B960494DF}">
-                <a14:hiddenLine xmlns:a14="http://schemas.microsoft.com/office/drawing/2010/main" xmlns="" w="9525">
+                <a14:hiddenLine xmlns="" xmlns:a14="http://schemas.microsoft.com/office/drawing/2010/main" w="9525">
                   <a:solidFill>
                     <a:srgbClr val="000000"/>
                   </a:solidFill>
@@ -2201,7 +2207,7 @@
             </a:ln>
             <a:extLst>
               <a:ext uri="{91240B29-F687-4f45-9708-019B960494DF}">
-                <a14:hiddenLine xmlns:a14="http://schemas.microsoft.com/office/drawing/2010/main" xmlns="" w="9525">
+                <a14:hiddenLine xmlns="" xmlns:a14="http://schemas.microsoft.com/office/drawing/2010/main" w="9525">
                   <a:solidFill>
                     <a:srgbClr val="000000"/>
                   </a:solidFill>
@@ -2269,7 +2275,7 @@
             </a:ln>
             <a:extLst>
               <a:ext uri="{91240B29-F687-4f45-9708-019B960494DF}">
-                <a14:hiddenLine xmlns:a14="http://schemas.microsoft.com/office/drawing/2010/main" xmlns="" w="9525">
+                <a14:hiddenLine xmlns="" xmlns:a14="http://schemas.microsoft.com/office/drawing/2010/main" w="9525">
                   <a:solidFill>
                     <a:srgbClr val="000000"/>
                   </a:solidFill>
@@ -2359,7 +2365,7 @@
             </a:ln>
             <a:extLst>
               <a:ext uri="{91240B29-F687-4f45-9708-019B960494DF}">
-                <a14:hiddenLine xmlns:a14="http://schemas.microsoft.com/office/drawing/2010/main" xmlns="" w="9525">
+                <a14:hiddenLine xmlns="" xmlns:a14="http://schemas.microsoft.com/office/drawing/2010/main" w="9525">
                   <a:solidFill>
                     <a:srgbClr val="000000"/>
                   </a:solidFill>
@@ -2393,7 +2399,7 @@
             </a:ln>
             <a:extLst>
               <a:ext uri="{91240B29-F687-4f45-9708-019B960494DF}">
-                <a14:hiddenLine xmlns:a14="http://schemas.microsoft.com/office/drawing/2010/main" xmlns="" w="9525">
+                <a14:hiddenLine xmlns="" xmlns:a14="http://schemas.microsoft.com/office/drawing/2010/main" w="9525">
                   <a:solidFill>
                     <a:srgbClr val="000000"/>
                   </a:solidFill>
@@ -2483,7 +2489,7 @@
             </a:ln>
             <a:extLst>
               <a:ext uri="{91240B29-F687-4f45-9708-019B960494DF}">
-                <a14:hiddenLine xmlns:a14="http://schemas.microsoft.com/office/drawing/2010/main" xmlns="" w="9525">
+                <a14:hiddenLine xmlns="" xmlns:a14="http://schemas.microsoft.com/office/drawing/2010/main" w="9525">
                   <a:solidFill>
                     <a:srgbClr val="000000"/>
                   </a:solidFill>
@@ -2545,7 +2551,7 @@
             </a:ln>
             <a:extLst>
               <a:ext uri="{91240B29-F687-4f45-9708-019B960494DF}">
-                <a14:hiddenLine xmlns:a14="http://schemas.microsoft.com/office/drawing/2010/main" xmlns="" w="9525">
+                <a14:hiddenLine xmlns="" xmlns:a14="http://schemas.microsoft.com/office/drawing/2010/main" w="9525">
                   <a:solidFill>
                     <a:srgbClr val="000000"/>
                   </a:solidFill>
@@ -2607,7 +2613,7 @@
             </a:ln>
             <a:extLst>
               <a:ext uri="{91240B29-F687-4f45-9708-019B960494DF}">
-                <a14:hiddenLine xmlns:a14="http://schemas.microsoft.com/office/drawing/2010/main" xmlns="" w="9525">
+                <a14:hiddenLine xmlns="" xmlns:a14="http://schemas.microsoft.com/office/drawing/2010/main" w="9525">
                   <a:solidFill>
                     <a:srgbClr val="000000"/>
                   </a:solidFill>
@@ -2697,7 +2703,7 @@
             </a:ln>
             <a:extLst>
               <a:ext uri="{91240B29-F687-4f45-9708-019B960494DF}">
-                <a14:hiddenLine xmlns:a14="http://schemas.microsoft.com/office/drawing/2010/main" xmlns="" w="9525">
+                <a14:hiddenLine xmlns="" xmlns:a14="http://schemas.microsoft.com/office/drawing/2010/main" w="9525">
                   <a:solidFill>
                     <a:srgbClr val="000000"/>
                   </a:solidFill>
@@ -2765,7 +2771,7 @@
             </a:ln>
             <a:extLst>
               <a:ext uri="{91240B29-F687-4f45-9708-019B960494DF}">
-                <a14:hiddenLine xmlns:a14="http://schemas.microsoft.com/office/drawing/2010/main" xmlns="" w="9525">
+                <a14:hiddenLine xmlns="" xmlns:a14="http://schemas.microsoft.com/office/drawing/2010/main" w="9525">
                   <a:solidFill>
                     <a:srgbClr val="000000"/>
                   </a:solidFill>
@@ -2827,7 +2833,7 @@
             </a:ln>
             <a:extLst>
               <a:ext uri="{91240B29-F687-4f45-9708-019B960494DF}">
-                <a14:hiddenLine xmlns:a14="http://schemas.microsoft.com/office/drawing/2010/main" xmlns="" w="9525">
+                <a14:hiddenLine xmlns="" xmlns:a14="http://schemas.microsoft.com/office/drawing/2010/main" w="9525">
                   <a:solidFill>
                     <a:srgbClr val="000000"/>
                   </a:solidFill>
@@ -2917,7 +2923,7 @@
             </a:ln>
             <a:extLst>
               <a:ext uri="{91240B29-F687-4f45-9708-019B960494DF}">
-                <a14:hiddenLine xmlns:a14="http://schemas.microsoft.com/office/drawing/2010/main" xmlns="" w="9525">
+                <a14:hiddenLine xmlns="" xmlns:a14="http://schemas.microsoft.com/office/drawing/2010/main" w="9525">
                   <a:solidFill>
                     <a:srgbClr val="000000"/>
                   </a:solidFill>
@@ -2979,7 +2985,7 @@
             </a:ln>
             <a:extLst>
               <a:ext uri="{91240B29-F687-4f45-9708-019B960494DF}">
-                <a14:hiddenLine xmlns:a14="http://schemas.microsoft.com/office/drawing/2010/main" xmlns="" w="9525">
+                <a14:hiddenLine xmlns="" xmlns:a14="http://schemas.microsoft.com/office/drawing/2010/main" w="9525">
                   <a:solidFill>
                     <a:srgbClr val="000000"/>
                   </a:solidFill>
@@ -3069,7 +3075,7 @@
             </a:ln>
             <a:extLst>
               <a:ext uri="{91240B29-F687-4f45-9708-019B960494DF}">
-                <a14:hiddenLine xmlns:a14="http://schemas.microsoft.com/office/drawing/2010/main" xmlns="" w="9525">
+                <a14:hiddenLine xmlns="" xmlns:a14="http://schemas.microsoft.com/office/drawing/2010/main" w="9525">
                   <a:solidFill>
                     <a:srgbClr val="000000"/>
                   </a:solidFill>
@@ -3131,7 +3137,7 @@
             </a:ln>
             <a:extLst>
               <a:ext uri="{91240B29-F687-4f45-9708-019B960494DF}">
-                <a14:hiddenLine xmlns:a14="http://schemas.microsoft.com/office/drawing/2010/main" xmlns="" w="9525">
+                <a14:hiddenLine xmlns="" xmlns:a14="http://schemas.microsoft.com/office/drawing/2010/main" w="9525">
                   <a:solidFill>
                     <a:srgbClr val="000000"/>
                   </a:solidFill>
@@ -3221,7 +3227,7 @@
             </a:ln>
             <a:extLst>
               <a:ext uri="{91240B29-F687-4f45-9708-019B960494DF}">
-                <a14:hiddenLine xmlns:a14="http://schemas.microsoft.com/office/drawing/2010/main" xmlns="" w="9525">
+                <a14:hiddenLine xmlns="" xmlns:a14="http://schemas.microsoft.com/office/drawing/2010/main" w="9525">
                   <a:solidFill>
                     <a:srgbClr val="000000"/>
                   </a:solidFill>
@@ -3255,7 +3261,7 @@
             </a:ln>
             <a:extLst>
               <a:ext uri="{91240B29-F687-4f45-9708-019B960494DF}">
-                <a14:hiddenLine xmlns:a14="http://schemas.microsoft.com/office/drawing/2010/main" xmlns="" w="9525">
+                <a14:hiddenLine xmlns="" xmlns:a14="http://schemas.microsoft.com/office/drawing/2010/main" w="9525">
                   <a:solidFill>
                     <a:srgbClr val="000000"/>
                   </a:solidFill>
@@ -3320,7 +3326,7 @@
             </a:ln>
             <a:extLst>
               <a:ext uri="{91240B29-F687-4f45-9708-019B960494DF}">
-                <a14:hiddenLine xmlns:a14="http://schemas.microsoft.com/office/drawing/2010/main" xmlns="" w="9525">
+                <a14:hiddenLine xmlns="" xmlns:a14="http://schemas.microsoft.com/office/drawing/2010/main" w="9525">
                   <a:solidFill>
                     <a:srgbClr val="000000"/>
                   </a:solidFill>
@@ -3410,7 +3416,7 @@
             </a:ln>
             <a:extLst>
               <a:ext uri="{91240B29-F687-4f45-9708-019B960494DF}">
-                <a14:hiddenLine xmlns:a14="http://schemas.microsoft.com/office/drawing/2010/main" xmlns="" w="9525">
+                <a14:hiddenLine xmlns="" xmlns:a14="http://schemas.microsoft.com/office/drawing/2010/main" w="9525">
                   <a:solidFill>
                     <a:srgbClr val="000000"/>
                   </a:solidFill>
@@ -3472,7 +3478,7 @@
             </a:ln>
             <a:extLst>
               <a:ext uri="{91240B29-F687-4f45-9708-019B960494DF}">
-                <a14:hiddenLine xmlns:a14="http://schemas.microsoft.com/office/drawing/2010/main" xmlns="" w="9525">
+                <a14:hiddenLine xmlns="" xmlns:a14="http://schemas.microsoft.com/office/drawing/2010/main" w="9525">
                   <a:solidFill>
                     <a:srgbClr val="000000"/>
                   </a:solidFill>
@@ -3562,7 +3568,7 @@
             </a:ln>
             <a:extLst>
               <a:ext uri="{91240B29-F687-4f45-9708-019B960494DF}">
-                <a14:hiddenLine xmlns:a14="http://schemas.microsoft.com/office/drawing/2010/main" xmlns="" w="9525">
+                <a14:hiddenLine xmlns="" xmlns:a14="http://schemas.microsoft.com/office/drawing/2010/main" w="9525">
                   <a:solidFill>
                     <a:srgbClr val="000000"/>
                   </a:solidFill>
@@ -3652,7 +3658,7 @@
             </a:ln>
             <a:extLst>
               <a:ext uri="{91240B29-F687-4f45-9708-019B960494DF}">
-                <a14:hiddenLine xmlns:a14="http://schemas.microsoft.com/office/drawing/2010/main" xmlns="" w="9525">
+                <a14:hiddenLine xmlns="" xmlns:a14="http://schemas.microsoft.com/office/drawing/2010/main" w="9525">
                   <a:solidFill>
                     <a:srgbClr val="000000"/>
                   </a:solidFill>
@@ -3717,7 +3723,7 @@
             </a:ln>
             <a:extLst>
               <a:ext uri="{91240B29-F687-4f45-9708-019B960494DF}">
-                <a14:hiddenLine xmlns:a14="http://schemas.microsoft.com/office/drawing/2010/main" xmlns="" w="9525">
+                <a14:hiddenLine xmlns="" xmlns:a14="http://schemas.microsoft.com/office/drawing/2010/main" w="9525">
                   <a:solidFill>
                     <a:srgbClr val="000000"/>
                   </a:solidFill>
@@ -3779,7 +3785,7 @@
             </a:ln>
             <a:extLst>
               <a:ext uri="{91240B29-F687-4f45-9708-019B960494DF}">
-                <a14:hiddenLine xmlns:a14="http://schemas.microsoft.com/office/drawing/2010/main" xmlns="" w="9525">
+                <a14:hiddenLine xmlns="" xmlns:a14="http://schemas.microsoft.com/office/drawing/2010/main" w="9525">
                   <a:solidFill>
                     <a:srgbClr val="000000"/>
                   </a:solidFill>
@@ -3869,7 +3875,7 @@
             </a:ln>
             <a:extLst>
               <a:ext uri="{91240B29-F687-4f45-9708-019B960494DF}">
-                <a14:hiddenLine xmlns:a14="http://schemas.microsoft.com/office/drawing/2010/main" xmlns="" w="9525">
+                <a14:hiddenLine xmlns="" xmlns:a14="http://schemas.microsoft.com/office/drawing/2010/main" w="9525">
                   <a:solidFill>
                     <a:srgbClr val="000000"/>
                   </a:solidFill>
@@ -3959,7 +3965,7 @@
             </a:ln>
             <a:extLst>
               <a:ext uri="{91240B29-F687-4f45-9708-019B960494DF}">
-                <a14:hiddenLine xmlns:a14="http://schemas.microsoft.com/office/drawing/2010/main" xmlns="" w="9525">
+                <a14:hiddenLine xmlns="" xmlns:a14="http://schemas.microsoft.com/office/drawing/2010/main" w="9525">
                   <a:solidFill>
                     <a:srgbClr val="000000"/>
                   </a:solidFill>
@@ -4021,7 +4027,7 @@
             </a:ln>
             <a:extLst>
               <a:ext uri="{91240B29-F687-4f45-9708-019B960494DF}">
-                <a14:hiddenLine xmlns:a14="http://schemas.microsoft.com/office/drawing/2010/main" xmlns="" w="9525">
+                <a14:hiddenLine xmlns="" xmlns:a14="http://schemas.microsoft.com/office/drawing/2010/main" w="9525">
                   <a:solidFill>
                     <a:srgbClr val="000000"/>
                   </a:solidFill>
@@ -4141,7 +4147,7 @@
             </a:ln>
             <a:extLst>
               <a:ext uri="{91240B29-F687-4f45-9708-019B960494DF}">
-                <a14:hiddenLine xmlns:a14="http://schemas.microsoft.com/office/drawing/2010/main" xmlns="" w="9525">
+                <a14:hiddenLine xmlns="" xmlns:a14="http://schemas.microsoft.com/office/drawing/2010/main" w="9525">
                   <a:solidFill>
                     <a:srgbClr val="000000"/>
                   </a:solidFill>
@@ -4209,7 +4215,7 @@
             </a:ln>
             <a:extLst>
               <a:ext uri="{91240B29-F687-4f45-9708-019B960494DF}">
-                <a14:hiddenLine xmlns:a14="http://schemas.microsoft.com/office/drawing/2010/main" xmlns="" w="9525">
+                <a14:hiddenLine xmlns="" xmlns:a14="http://schemas.microsoft.com/office/drawing/2010/main" w="9525">
                   <a:solidFill>
                     <a:srgbClr val="000000"/>
                   </a:solidFill>
@@ -4299,7 +4305,7 @@
             </a:ln>
             <a:extLst>
               <a:ext uri="{91240B29-F687-4f45-9708-019B960494DF}">
-                <a14:hiddenLine xmlns:a14="http://schemas.microsoft.com/office/drawing/2010/main" xmlns="" w="9525">
+                <a14:hiddenLine xmlns="" xmlns:a14="http://schemas.microsoft.com/office/drawing/2010/main" w="9525">
                   <a:solidFill>
                     <a:srgbClr val="000000"/>
                   </a:solidFill>
@@ -4439,7 +4445,7 @@
           <a:p>
             <a:fld id="{48A87A34-81AB-432B-8DAE-1953F412C126}" type="datetimeFigureOut">
               <a:rPr lang="en-US" dirty="0"/>
-              <a:t>12/5/2019</a:t>
+              <a:t>12/12/2019</a:t>
             </a:fld>
             <a:endParaRPr lang="en-US" dirty="0"/>
           </a:p>
@@ -4701,7 +4707,7 @@
           <a:p>
             <a:fld id="{48A87A34-81AB-432B-8DAE-1953F412C126}" type="datetimeFigureOut">
               <a:rPr lang="en-US" dirty="0"/>
-              <a:t>12/5/2019</a:t>
+              <a:t>12/12/2019</a:t>
             </a:fld>
             <a:endParaRPr lang="en-US" dirty="0"/>
           </a:p>
@@ -4892,7 +4898,7 @@
           <a:p>
             <a:fld id="{48A87A34-81AB-432B-8DAE-1953F412C126}" type="datetimeFigureOut">
               <a:rPr lang="en-US" dirty="0"/>
-              <a:t>12/5/2019</a:t>
+              <a:t>12/12/2019</a:t>
             </a:fld>
             <a:endParaRPr lang="en-US" dirty="0"/>
           </a:p>
@@ -5150,7 +5156,7 @@
           <a:p>
             <a:fld id="{48A87A34-81AB-432B-8DAE-1953F412C126}" type="datetimeFigureOut">
               <a:rPr lang="en-US" dirty="0"/>
-              <a:t>12/5/2019</a:t>
+              <a:t>12/12/2019</a:t>
             </a:fld>
             <a:endParaRPr lang="en-US" dirty="0"/>
           </a:p>
@@ -5579,7 +5585,7 @@
           <a:p>
             <a:fld id="{48A87A34-81AB-432B-8DAE-1953F412C126}" type="datetimeFigureOut">
               <a:rPr lang="en-US" dirty="0"/>
-              <a:t>12/5/2019</a:t>
+              <a:t>12/12/2019</a:t>
             </a:fld>
             <a:endParaRPr lang="en-US" dirty="0"/>
           </a:p>
@@ -6120,7 +6126,7 @@
           <a:p>
             <a:fld id="{48A87A34-81AB-432B-8DAE-1953F412C126}" type="datetimeFigureOut">
               <a:rPr lang="en-US" dirty="0"/>
-              <a:t>12/5/2019</a:t>
+              <a:t>12/12/2019</a:t>
             </a:fld>
             <a:endParaRPr lang="en-US" dirty="0"/>
           </a:p>
@@ -6835,7 +6841,7 @@
           <a:p>
             <a:fld id="{48A87A34-81AB-432B-8DAE-1953F412C126}" type="datetimeFigureOut">
               <a:rPr lang="en-US" dirty="0"/>
-              <a:t>12/5/2019</a:t>
+              <a:t>12/12/2019</a:t>
             </a:fld>
             <a:endParaRPr lang="en-US" dirty="0"/>
           </a:p>
@@ -7000,7 +7006,7 @@
           <a:p>
             <a:fld id="{48A87A34-81AB-432B-8DAE-1953F412C126}" type="datetimeFigureOut">
               <a:rPr lang="en-US" dirty="0"/>
-              <a:t>12/5/2019</a:t>
+              <a:t>12/12/2019</a:t>
             </a:fld>
             <a:endParaRPr lang="en-US" dirty="0"/>
           </a:p>
@@ -7175,7 +7181,7 @@
           <a:p>
             <a:fld id="{48A87A34-81AB-432B-8DAE-1953F412C126}" type="datetimeFigureOut">
               <a:rPr lang="en-US" dirty="0"/>
-              <a:t>12/5/2019</a:t>
+              <a:t>12/12/2019</a:t>
             </a:fld>
             <a:endParaRPr lang="en-US" dirty="0"/>
           </a:p>
@@ -7340,7 +7346,7 @@
           <a:p>
             <a:fld id="{48A87A34-81AB-432B-8DAE-1953F412C126}" type="datetimeFigureOut">
               <a:rPr lang="en-US" dirty="0"/>
-              <a:t>12/5/2019</a:t>
+              <a:t>12/12/2019</a:t>
             </a:fld>
             <a:endParaRPr lang="en-US" dirty="0"/>
           </a:p>
@@ -7585,7 +7591,7 @@
           <a:p>
             <a:fld id="{48A87A34-81AB-432B-8DAE-1953F412C126}" type="datetimeFigureOut">
               <a:rPr lang="en-US" dirty="0"/>
-              <a:t>12/5/2019</a:t>
+              <a:t>12/12/2019</a:t>
             </a:fld>
             <a:endParaRPr lang="en-US" dirty="0"/>
           </a:p>
@@ -7812,7 +7818,7 @@
           <a:p>
             <a:fld id="{48A87A34-81AB-432B-8DAE-1953F412C126}" type="datetimeFigureOut">
               <a:rPr lang="en-US" dirty="0"/>
-              <a:t>12/5/2019</a:t>
+              <a:t>12/12/2019</a:t>
             </a:fld>
             <a:endParaRPr lang="en-US" dirty="0"/>
           </a:p>
@@ -8188,7 +8194,7 @@
           <a:p>
             <a:fld id="{48A87A34-81AB-432B-8DAE-1953F412C126}" type="datetimeFigureOut">
               <a:rPr lang="en-US" dirty="0"/>
-              <a:t>12/5/2019</a:t>
+              <a:t>12/12/2019</a:t>
             </a:fld>
             <a:endParaRPr lang="en-US" dirty="0"/>
           </a:p>
@@ -8301,7 +8307,7 @@
           <a:p>
             <a:fld id="{48A87A34-81AB-432B-8DAE-1953F412C126}" type="datetimeFigureOut">
               <a:rPr lang="en-US" dirty="0"/>
-              <a:t>12/5/2019</a:t>
+              <a:t>12/12/2019</a:t>
             </a:fld>
             <a:endParaRPr lang="en-US" dirty="0"/>
           </a:p>
@@ -8391,7 +8397,7 @@
           <a:p>
             <a:fld id="{48A87A34-81AB-432B-8DAE-1953F412C126}" type="datetimeFigureOut">
               <a:rPr lang="en-US" dirty="0"/>
-              <a:t>12/5/2019</a:t>
+              <a:t>12/12/2019</a:t>
             </a:fld>
             <a:endParaRPr lang="en-US" dirty="0"/>
           </a:p>
@@ -8635,7 +8641,7 @@
           <a:p>
             <a:fld id="{48A87A34-81AB-432B-8DAE-1953F412C126}" type="datetimeFigureOut">
               <a:rPr lang="en-US" dirty="0"/>
-              <a:t>12/5/2019</a:t>
+              <a:t>12/12/2019</a:t>
             </a:fld>
             <a:endParaRPr lang="en-US" dirty="0"/>
           </a:p>
@@ -8910,7 +8916,7 @@
           <a:p>
             <a:fld id="{48A87A34-81AB-432B-8DAE-1953F412C126}" type="datetimeFigureOut">
               <a:rPr lang="en-US" dirty="0"/>
-              <a:t>12/5/2019</a:t>
+              <a:t>12/12/2019</a:t>
             </a:fld>
             <a:endParaRPr lang="en-US" dirty="0"/>
           </a:p>
@@ -9028,7 +9034,7 @@
           <a:noFill/>
           <a:extLst>
             <a:ext uri="{909E8E84-426E-40dd-AFC4-6F175D3DCCD1}">
-              <a14:hiddenFill xmlns:a14="http://schemas.microsoft.com/office/drawing/2010/main" xmlns="">
+              <a14:hiddenFill xmlns="" xmlns:a14="http://schemas.microsoft.com/office/drawing/2010/main">
                 <a:solidFill>
                   <a:srgbClr val="FFFFFF"/>
                 </a:solidFill>
@@ -9102,7 +9108,7 @@
               </a:ln>
               <a:extLst>
                 <a:ext uri="{91240B29-F687-4f45-9708-019B960494DF}">
-                  <a14:hiddenLine xmlns:a14="http://schemas.microsoft.com/office/drawing/2010/main" xmlns="" w="9525">
+                  <a14:hiddenLine xmlns="" xmlns:a14="http://schemas.microsoft.com/office/drawing/2010/main" w="9525">
                     <a:solidFill>
                       <a:srgbClr val="000000"/>
                     </a:solidFill>
@@ -9192,7 +9198,7 @@
               </a:ln>
               <a:extLst>
                 <a:ext uri="{91240B29-F687-4f45-9708-019B960494DF}">
-                  <a14:hiddenLine xmlns:a14="http://schemas.microsoft.com/office/drawing/2010/main" xmlns="" w="9525">
+                  <a14:hiddenLine xmlns="" xmlns:a14="http://schemas.microsoft.com/office/drawing/2010/main" w="9525">
                     <a:solidFill>
                       <a:srgbClr val="000000"/>
                     </a:solidFill>
@@ -9282,7 +9288,7 @@
               </a:ln>
               <a:extLst>
                 <a:ext uri="{91240B29-F687-4f45-9708-019B960494DF}">
-                  <a14:hiddenLine xmlns:a14="http://schemas.microsoft.com/office/drawing/2010/main" xmlns="" w="9525">
+                  <a14:hiddenLine xmlns="" xmlns:a14="http://schemas.microsoft.com/office/drawing/2010/main" w="9525">
                     <a:solidFill>
                       <a:srgbClr val="000000"/>
                     </a:solidFill>
@@ -9344,7 +9350,7 @@
               </a:ln>
               <a:extLst>
                 <a:ext uri="{91240B29-F687-4f45-9708-019B960494DF}">
-                  <a14:hiddenLine xmlns:a14="http://schemas.microsoft.com/office/drawing/2010/main" xmlns="" w="9525">
+                  <a14:hiddenLine xmlns="" xmlns:a14="http://schemas.microsoft.com/office/drawing/2010/main" w="9525">
                     <a:solidFill>
                       <a:srgbClr val="000000"/>
                     </a:solidFill>
@@ -9434,7 +9440,7 @@
               </a:ln>
               <a:extLst>
                 <a:ext uri="{91240B29-F687-4f45-9708-019B960494DF}">
-                  <a14:hiddenLine xmlns:a14="http://schemas.microsoft.com/office/drawing/2010/main" xmlns="" w="9525">
+                  <a14:hiddenLine xmlns="" xmlns:a14="http://schemas.microsoft.com/office/drawing/2010/main" w="9525">
                     <a:solidFill>
                       <a:srgbClr val="000000"/>
                     </a:solidFill>
@@ -9496,7 +9502,7 @@
               </a:ln>
               <a:extLst>
                 <a:ext uri="{91240B29-F687-4f45-9708-019B960494DF}">
-                  <a14:hiddenLine xmlns:a14="http://schemas.microsoft.com/office/drawing/2010/main" xmlns="" w="9525">
+                  <a14:hiddenLine xmlns="" xmlns:a14="http://schemas.microsoft.com/office/drawing/2010/main" w="9525">
                     <a:solidFill>
                       <a:srgbClr val="000000"/>
                     </a:solidFill>
@@ -9558,7 +9564,7 @@
               </a:ln>
               <a:extLst>
                 <a:ext uri="{91240B29-F687-4f45-9708-019B960494DF}">
-                  <a14:hiddenLine xmlns:a14="http://schemas.microsoft.com/office/drawing/2010/main" xmlns="" w="9525">
+                  <a14:hiddenLine xmlns="" xmlns:a14="http://schemas.microsoft.com/office/drawing/2010/main" w="9525">
                     <a:solidFill>
                       <a:srgbClr val="000000"/>
                     </a:solidFill>
@@ -9648,7 +9654,7 @@
               </a:ln>
               <a:extLst>
                 <a:ext uri="{91240B29-F687-4f45-9708-019B960494DF}">
-                  <a14:hiddenLine xmlns:a14="http://schemas.microsoft.com/office/drawing/2010/main" xmlns="" w="9525">
+                  <a14:hiddenLine xmlns="" xmlns:a14="http://schemas.microsoft.com/office/drawing/2010/main" w="9525">
                     <a:solidFill>
                       <a:srgbClr val="000000"/>
                     </a:solidFill>
@@ -9738,7 +9744,7 @@
               </a:ln>
               <a:extLst>
                 <a:ext uri="{91240B29-F687-4f45-9708-019B960494DF}">
-                  <a14:hiddenLine xmlns:a14="http://schemas.microsoft.com/office/drawing/2010/main" xmlns="" w="9525">
+                  <a14:hiddenLine xmlns="" xmlns:a14="http://schemas.microsoft.com/office/drawing/2010/main" w="9525">
                     <a:solidFill>
                       <a:srgbClr val="000000"/>
                     </a:solidFill>
@@ -9800,7 +9806,7 @@
               </a:ln>
               <a:extLst>
                 <a:ext uri="{91240B29-F687-4f45-9708-019B960494DF}">
-                  <a14:hiddenLine xmlns:a14="http://schemas.microsoft.com/office/drawing/2010/main" xmlns="" w="9525">
+                  <a14:hiddenLine xmlns="" xmlns:a14="http://schemas.microsoft.com/office/drawing/2010/main" w="9525">
                     <a:solidFill>
                       <a:srgbClr val="000000"/>
                     </a:solidFill>
@@ -9910,7 +9916,7 @@
               </a:ln>
               <a:extLst>
                 <a:ext uri="{91240B29-F687-4f45-9708-019B960494DF}">
-                  <a14:hiddenLine xmlns:a14="http://schemas.microsoft.com/office/drawing/2010/main" xmlns="" w="9525">
+                  <a14:hiddenLine xmlns="" xmlns:a14="http://schemas.microsoft.com/office/drawing/2010/main" w="9525">
                     <a:solidFill>
                       <a:srgbClr val="000000"/>
                     </a:solidFill>
@@ -9994,7 +10000,7 @@
               </a:ln>
               <a:extLst>
                 <a:ext uri="{91240B29-F687-4f45-9708-019B960494DF}">
-                  <a14:hiddenLine xmlns:a14="http://schemas.microsoft.com/office/drawing/2010/main" xmlns="" w="9525">
+                  <a14:hiddenLine xmlns="" xmlns:a14="http://schemas.microsoft.com/office/drawing/2010/main" w="9525">
                     <a:solidFill>
                       <a:srgbClr val="000000"/>
                     </a:solidFill>
@@ -10056,7 +10062,7 @@
               </a:ln>
               <a:extLst>
                 <a:ext uri="{91240B29-F687-4f45-9708-019B960494DF}">
-                  <a14:hiddenLine xmlns:a14="http://schemas.microsoft.com/office/drawing/2010/main" xmlns="" w="9525">
+                  <a14:hiddenLine xmlns="" xmlns:a14="http://schemas.microsoft.com/office/drawing/2010/main" w="9525">
                     <a:solidFill>
                       <a:srgbClr val="000000"/>
                     </a:solidFill>
@@ -10118,7 +10124,7 @@
               </a:ln>
               <a:extLst>
                 <a:ext uri="{91240B29-F687-4f45-9708-019B960494DF}">
-                  <a14:hiddenLine xmlns:a14="http://schemas.microsoft.com/office/drawing/2010/main" xmlns="" w="9525">
+                  <a14:hiddenLine xmlns="" xmlns:a14="http://schemas.microsoft.com/office/drawing/2010/main" w="9525">
                     <a:solidFill>
                       <a:srgbClr val="000000"/>
                     </a:solidFill>
@@ -10208,7 +10214,7 @@
               </a:ln>
               <a:extLst>
                 <a:ext uri="{91240B29-F687-4f45-9708-019B960494DF}">
-                  <a14:hiddenLine xmlns:a14="http://schemas.microsoft.com/office/drawing/2010/main" xmlns="" w="9525">
+                  <a14:hiddenLine xmlns="" xmlns:a14="http://schemas.microsoft.com/office/drawing/2010/main" w="9525">
                     <a:solidFill>
                       <a:srgbClr val="000000"/>
                     </a:solidFill>
@@ -10242,7 +10248,7 @@
               </a:ln>
               <a:extLst>
                 <a:ext uri="{91240B29-F687-4f45-9708-019B960494DF}">
-                  <a14:hiddenLine xmlns:a14="http://schemas.microsoft.com/office/drawing/2010/main" xmlns="" w="9525">
+                  <a14:hiddenLine xmlns="" xmlns:a14="http://schemas.microsoft.com/office/drawing/2010/main" w="9525">
                     <a:solidFill>
                       <a:srgbClr val="000000"/>
                     </a:solidFill>
@@ -10307,7 +10313,7 @@
               </a:ln>
               <a:extLst>
                 <a:ext uri="{91240B29-F687-4f45-9708-019B960494DF}">
-                  <a14:hiddenLine xmlns:a14="http://schemas.microsoft.com/office/drawing/2010/main" xmlns="" w="9525">
+                  <a14:hiddenLine xmlns="" xmlns:a14="http://schemas.microsoft.com/office/drawing/2010/main" w="9525">
                     <a:solidFill>
                       <a:srgbClr val="000000"/>
                     </a:solidFill>
@@ -10397,7 +10403,7 @@
               </a:ln>
               <a:extLst>
                 <a:ext uri="{91240B29-F687-4f45-9708-019B960494DF}">
-                  <a14:hiddenLine xmlns:a14="http://schemas.microsoft.com/office/drawing/2010/main" xmlns="" w="9525">
+                  <a14:hiddenLine xmlns="" xmlns:a14="http://schemas.microsoft.com/office/drawing/2010/main" w="9525">
                     <a:solidFill>
                       <a:srgbClr val="000000"/>
                     </a:solidFill>
@@ -10459,7 +10465,7 @@
               </a:ln>
               <a:extLst>
                 <a:ext uri="{91240B29-F687-4f45-9708-019B960494DF}">
-                  <a14:hiddenLine xmlns:a14="http://schemas.microsoft.com/office/drawing/2010/main" xmlns="" w="9525">
+                  <a14:hiddenLine xmlns="" xmlns:a14="http://schemas.microsoft.com/office/drawing/2010/main" w="9525">
                     <a:solidFill>
                       <a:srgbClr val="000000"/>
                     </a:solidFill>
@@ -10549,7 +10555,7 @@
               </a:ln>
               <a:extLst>
                 <a:ext uri="{91240B29-F687-4f45-9708-019B960494DF}">
-                  <a14:hiddenLine xmlns:a14="http://schemas.microsoft.com/office/drawing/2010/main" xmlns="" w="9525">
+                  <a14:hiddenLine xmlns="" xmlns:a14="http://schemas.microsoft.com/office/drawing/2010/main" w="9525">
                     <a:solidFill>
                       <a:srgbClr val="000000"/>
                     </a:solidFill>
@@ -10614,7 +10620,7 @@
               </a:ln>
               <a:extLst>
                 <a:ext uri="{91240B29-F687-4f45-9708-019B960494DF}">
-                  <a14:hiddenLine xmlns:a14="http://schemas.microsoft.com/office/drawing/2010/main" xmlns="" w="9525">
+                  <a14:hiddenLine xmlns="" xmlns:a14="http://schemas.microsoft.com/office/drawing/2010/main" w="9525">
                     <a:solidFill>
                       <a:srgbClr val="000000"/>
                     </a:solidFill>
@@ -10676,7 +10682,7 @@
               </a:ln>
               <a:extLst>
                 <a:ext uri="{91240B29-F687-4f45-9708-019B960494DF}">
-                  <a14:hiddenLine xmlns:a14="http://schemas.microsoft.com/office/drawing/2010/main" xmlns="" w="9525">
+                  <a14:hiddenLine xmlns="" xmlns:a14="http://schemas.microsoft.com/office/drawing/2010/main" w="9525">
                     <a:solidFill>
                       <a:srgbClr val="000000"/>
                     </a:solidFill>
@@ -10766,7 +10772,7 @@
               </a:ln>
               <a:extLst>
                 <a:ext uri="{91240B29-F687-4f45-9708-019B960494DF}">
-                  <a14:hiddenLine xmlns:a14="http://schemas.microsoft.com/office/drawing/2010/main" xmlns="" w="9525">
+                  <a14:hiddenLine xmlns="" xmlns:a14="http://schemas.microsoft.com/office/drawing/2010/main" w="9525">
                     <a:solidFill>
                       <a:srgbClr val="000000"/>
                     </a:solidFill>
@@ -10856,7 +10862,7 @@
               </a:ln>
               <a:extLst>
                 <a:ext uri="{91240B29-F687-4f45-9708-019B960494DF}">
-                  <a14:hiddenLine xmlns:a14="http://schemas.microsoft.com/office/drawing/2010/main" xmlns="" w="9525">
+                  <a14:hiddenLine xmlns="" xmlns:a14="http://schemas.microsoft.com/office/drawing/2010/main" w="9525">
                     <a:solidFill>
                       <a:srgbClr val="000000"/>
                     </a:solidFill>
@@ -10921,7 +10927,7 @@
               </a:ln>
               <a:extLst>
                 <a:ext uri="{91240B29-F687-4f45-9708-019B960494DF}">
-                  <a14:hiddenLine xmlns:a14="http://schemas.microsoft.com/office/drawing/2010/main" xmlns="" w="9525">
+                  <a14:hiddenLine xmlns="" xmlns:a14="http://schemas.microsoft.com/office/drawing/2010/main" w="9525">
                     <a:solidFill>
                       <a:srgbClr val="000000"/>
                     </a:solidFill>
@@ -11041,7 +11047,7 @@
               </a:ln>
               <a:extLst>
                 <a:ext uri="{91240B29-F687-4f45-9708-019B960494DF}">
-                  <a14:hiddenLine xmlns:a14="http://schemas.microsoft.com/office/drawing/2010/main" xmlns="" w="9525">
+                  <a14:hiddenLine xmlns="" xmlns:a14="http://schemas.microsoft.com/office/drawing/2010/main" w="9525">
                     <a:solidFill>
                       <a:srgbClr val="000000"/>
                     </a:solidFill>
@@ -11122,7 +11128,7 @@
               </a:ln>
               <a:extLst>
                 <a:ext uri="{91240B29-F687-4f45-9708-019B960494DF}">
-                  <a14:hiddenLine xmlns:a14="http://schemas.microsoft.com/office/drawing/2010/main" xmlns="" w="9525">
+                  <a14:hiddenLine xmlns="" xmlns:a14="http://schemas.microsoft.com/office/drawing/2010/main" w="9525">
                     <a:solidFill>
                       <a:srgbClr val="000000"/>
                     </a:solidFill>
@@ -11237,7 +11243,7 @@
               </a:ln>
               <a:extLst>
                 <a:ext uri="{91240B29-F687-4f45-9708-019B960494DF}">
-                  <a14:hiddenLine xmlns:a14="http://schemas.microsoft.com/office/drawing/2010/main" xmlns="" w="9525">
+                  <a14:hiddenLine xmlns="" xmlns:a14="http://schemas.microsoft.com/office/drawing/2010/main" w="9525">
                     <a:solidFill>
                       <a:srgbClr val="000000"/>
                     </a:solidFill>
@@ -11327,7 +11333,7 @@
               </a:ln>
               <a:extLst>
                 <a:ext uri="{91240B29-F687-4f45-9708-019B960494DF}">
-                  <a14:hiddenLine xmlns:a14="http://schemas.microsoft.com/office/drawing/2010/main" xmlns="" w="9525">
+                  <a14:hiddenLine xmlns="" xmlns:a14="http://schemas.microsoft.com/office/drawing/2010/main" w="9525">
                     <a:solidFill>
                       <a:srgbClr val="000000"/>
                     </a:solidFill>
@@ -11392,7 +11398,7 @@
               </a:ln>
               <a:extLst>
                 <a:ext uri="{91240B29-F687-4f45-9708-019B960494DF}">
-                  <a14:hiddenLine xmlns:a14="http://schemas.microsoft.com/office/drawing/2010/main" xmlns="" w="9525">
+                  <a14:hiddenLine xmlns="" xmlns:a14="http://schemas.microsoft.com/office/drawing/2010/main" w="9525">
                     <a:solidFill>
                       <a:srgbClr val="000000"/>
                     </a:solidFill>
@@ -11482,7 +11488,7 @@
               </a:ln>
               <a:extLst>
                 <a:ext uri="{91240B29-F687-4f45-9708-019B960494DF}">
-                  <a14:hiddenLine xmlns:a14="http://schemas.microsoft.com/office/drawing/2010/main" xmlns="" w="9525">
+                  <a14:hiddenLine xmlns="" xmlns:a14="http://schemas.microsoft.com/office/drawing/2010/main" w="9525">
                     <a:solidFill>
                       <a:srgbClr val="000000"/>
                     </a:solidFill>
@@ -11550,7 +11556,7 @@
               </a:ln>
               <a:extLst>
                 <a:ext uri="{91240B29-F687-4f45-9708-019B960494DF}">
-                  <a14:hiddenLine xmlns:a14="http://schemas.microsoft.com/office/drawing/2010/main" xmlns="" w="9525">
+                  <a14:hiddenLine xmlns="" xmlns:a14="http://schemas.microsoft.com/office/drawing/2010/main" w="9525">
                     <a:solidFill>
                       <a:srgbClr val="000000"/>
                     </a:solidFill>
@@ -11640,7 +11646,7 @@
               </a:ln>
               <a:extLst>
                 <a:ext uri="{91240B29-F687-4f45-9708-019B960494DF}">
-                  <a14:hiddenLine xmlns:a14="http://schemas.microsoft.com/office/drawing/2010/main" xmlns="" w="9525">
+                  <a14:hiddenLine xmlns="" xmlns:a14="http://schemas.microsoft.com/office/drawing/2010/main" w="9525">
                     <a:solidFill>
                       <a:srgbClr val="000000"/>
                     </a:solidFill>
@@ -11708,7 +11714,7 @@
               </a:ln>
               <a:extLst>
                 <a:ext uri="{91240B29-F687-4f45-9708-019B960494DF}">
-                  <a14:hiddenLine xmlns:a14="http://schemas.microsoft.com/office/drawing/2010/main" xmlns="" w="9525">
+                  <a14:hiddenLine xmlns="" xmlns:a14="http://schemas.microsoft.com/office/drawing/2010/main" w="9525">
                     <a:solidFill>
                       <a:srgbClr val="000000"/>
                     </a:solidFill>
@@ -11798,7 +11804,7 @@
               </a:ln>
               <a:extLst>
                 <a:ext uri="{91240B29-F687-4f45-9708-019B960494DF}">
-                  <a14:hiddenLine xmlns:a14="http://schemas.microsoft.com/office/drawing/2010/main" xmlns="" w="9525">
+                  <a14:hiddenLine xmlns="" xmlns:a14="http://schemas.microsoft.com/office/drawing/2010/main" w="9525">
                     <a:solidFill>
                       <a:srgbClr val="000000"/>
                     </a:solidFill>
@@ -11832,7 +11838,7 @@
               </a:ln>
               <a:extLst>
                 <a:ext uri="{91240B29-F687-4f45-9708-019B960494DF}">
-                  <a14:hiddenLine xmlns:a14="http://schemas.microsoft.com/office/drawing/2010/main" xmlns="" w="9525">
+                  <a14:hiddenLine xmlns="" xmlns:a14="http://schemas.microsoft.com/office/drawing/2010/main" w="9525">
                     <a:solidFill>
                       <a:srgbClr val="000000"/>
                     </a:solidFill>
@@ -11973,7 +11979,7 @@
             <a:fld id="{48A87A34-81AB-432B-8DAE-1953F412C126}" type="datetimeFigureOut">
               <a:rPr lang="en-US" dirty="0"/>
               <a:pPr/>
-              <a:t>12/5/2019</a:t>
+              <a:t>12/12/2019</a:t>
             </a:fld>
             <a:endParaRPr lang="en-US" dirty="0"/>
           </a:p>
@@ -14935,6 +14941,339 @@
 </p:sld>
 </file>
 
+<file path=ppt/slides/slide20.xml><?xml version="1.0" encoding="utf-8"?>
+<p:sld xmlns:a="http://schemas.openxmlformats.org/drawingml/2006/main" xmlns:r="http://schemas.openxmlformats.org/officeDocument/2006/relationships" xmlns:p="http://schemas.openxmlformats.org/presentationml/2006/main">
+  <p:cSld>
+    <p:spTree>
+      <p:nvGrpSpPr>
+        <p:cNvPr id="1" name=""/>
+        <p:cNvGrpSpPr/>
+        <p:nvPr/>
+      </p:nvGrpSpPr>
+      <p:grpSpPr>
+        <a:xfrm>
+          <a:off x="0" y="0"/>
+          <a:ext cx="0" cy="0"/>
+          <a:chOff x="0" y="0"/>
+          <a:chExt cx="0" cy="0"/>
+        </a:xfrm>
+      </p:grpSpPr>
+      <p:sp>
+        <p:nvSpPr>
+          <p:cNvPr id="2" name="Title 1">
+            <a:extLst>
+              <a:ext uri="{FF2B5EF4-FFF2-40B4-BE49-F238E27FC236}">
+                <a16:creationId xmlns:a16="http://schemas.microsoft.com/office/drawing/2014/main" id="{BDD73C6F-6AAC-436B-9864-C7CC002DDDA1}"/>
+              </a:ext>
+            </a:extLst>
+          </p:cNvPr>
+          <p:cNvSpPr>
+            <a:spLocks noGrp="1"/>
+          </p:cNvSpPr>
+          <p:nvPr>
+            <p:ph type="title"/>
+          </p:nvPr>
+        </p:nvSpPr>
+        <p:spPr/>
+        <p:txBody>
+          <a:bodyPr/>
+          <a:lstStyle/>
+          <a:p>
+            <a:r>
+              <a:rPr lang="id-ID" dirty="0"/>
+              <a:t>Multi Threading</a:t>
+            </a:r>
+            <a:endParaRPr lang="en-ID" dirty="0"/>
+          </a:p>
+        </p:txBody>
+      </p:sp>
+      <p:sp>
+        <p:nvSpPr>
+          <p:cNvPr id="3" name="Content Placeholder 2">
+            <a:extLst>
+              <a:ext uri="{FF2B5EF4-FFF2-40B4-BE49-F238E27FC236}">
+                <a16:creationId xmlns:a16="http://schemas.microsoft.com/office/drawing/2014/main" id="{18FAAEA1-0624-49B2-B15A-2433E6D15FA8}"/>
+              </a:ext>
+            </a:extLst>
+          </p:cNvPr>
+          <p:cNvSpPr>
+            <a:spLocks noGrp="1"/>
+          </p:cNvSpPr>
+          <p:nvPr>
+            <p:ph idx="1"/>
+          </p:nvPr>
+        </p:nvSpPr>
+        <p:spPr/>
+        <p:txBody>
+          <a:bodyPr>
+            <a:normAutofit fontScale="70000" lnSpcReduction="20000"/>
+          </a:bodyPr>
+          <a:lstStyle/>
+          <a:p>
+            <a:r>
+              <a:rPr lang="id-ID" dirty="0"/>
+              <a:t>Multi Threading artinya banyak proses yang berjalan dalam satu waktu.</a:t>
+            </a:r>
+          </a:p>
+          <a:p>
+            <a:r>
+              <a:rPr lang="id-ID" dirty="0"/>
+              <a:t>Aplikasi dengan Multi Threading berarti aplikasi tersebut </a:t>
+            </a:r>
+            <a:r>
+              <a:rPr lang="id-ID" b="1" dirty="0"/>
+              <a:t>mampu</a:t>
+            </a:r>
+            <a:r>
+              <a:rPr lang="id-ID" dirty="0"/>
+              <a:t> melakukan banyak proses dalam satu waktu.</a:t>
+            </a:r>
+          </a:p>
+          <a:p>
+            <a:r>
+              <a:rPr lang="id-ID" dirty="0"/>
+              <a:t>Mampu melakukan berarti bisa melakukan yang kurang lebih akan bermakna aplikasi di buat oleh programmer berpengalaman, karena Multi Threading bukan hal yang mudah. Tidak banyak programmer yang menguasai teknik Multi Threading</a:t>
+            </a:r>
+          </a:p>
+          <a:p>
+            <a:r>
+              <a:rPr lang="id-ID" dirty="0"/>
+              <a:t>Kenapa Multi Threading di butuhkan ?. Multi Threading di gunakan untuk menjadikan aplikasi berjalan dengan lebih cepat.</a:t>
+            </a:r>
+          </a:p>
+          <a:p>
+            <a:r>
+              <a:rPr lang="id-ID" dirty="0"/>
+              <a:t>Kenapa dengan Multi Threading dapat mempercepat aplikasi ?. Multi Proses atau banyak proses yang berjalan pada satu waktu, berarti lebih banyak pekerjaan yang bisa di selesaikan dalam waktu bersamaan</a:t>
+            </a:r>
+          </a:p>
+        </p:txBody>
+      </p:sp>
+    </p:spTree>
+    <p:extLst>
+      <p:ext uri="{BB962C8B-B14F-4D97-AF65-F5344CB8AC3E}">
+        <p14:creationId xmlns:p14="http://schemas.microsoft.com/office/powerpoint/2010/main" val="2334091566"/>
+      </p:ext>
+    </p:extLst>
+  </p:cSld>
+  <p:clrMapOvr>
+    <a:masterClrMapping/>
+  </p:clrMapOvr>
+</p:sld>
+</file>
+
+<file path=ppt/slides/slide21.xml><?xml version="1.0" encoding="utf-8"?>
+<p:sld xmlns:a="http://schemas.openxmlformats.org/drawingml/2006/main" xmlns:r="http://schemas.openxmlformats.org/officeDocument/2006/relationships" xmlns:p="http://schemas.openxmlformats.org/presentationml/2006/main">
+  <p:cSld>
+    <p:spTree>
+      <p:nvGrpSpPr>
+        <p:cNvPr id="1" name=""/>
+        <p:cNvGrpSpPr/>
+        <p:nvPr/>
+      </p:nvGrpSpPr>
+      <p:grpSpPr>
+        <a:xfrm>
+          <a:off x="0" y="0"/>
+          <a:ext cx="0" cy="0"/>
+          <a:chOff x="0" y="0"/>
+          <a:chExt cx="0" cy="0"/>
+        </a:xfrm>
+      </p:grpSpPr>
+      <p:sp>
+        <p:nvSpPr>
+          <p:cNvPr id="2" name="Title 1">
+            <a:extLst>
+              <a:ext uri="{FF2B5EF4-FFF2-40B4-BE49-F238E27FC236}">
+                <a16:creationId xmlns:a16="http://schemas.microsoft.com/office/drawing/2014/main" id="{C7C878CF-B147-4036-AB4C-27176071A4AA}"/>
+              </a:ext>
+            </a:extLst>
+          </p:cNvPr>
+          <p:cNvSpPr>
+            <a:spLocks noGrp="1"/>
+          </p:cNvSpPr>
+          <p:nvPr>
+            <p:ph type="title"/>
+          </p:nvPr>
+        </p:nvSpPr>
+        <p:spPr/>
+        <p:txBody>
+          <a:bodyPr/>
+          <a:lstStyle/>
+          <a:p>
+            <a:r>
+              <a:rPr lang="id-ID" dirty="0"/>
+              <a:t>CPU dan Multi Threading</a:t>
+            </a:r>
+            <a:endParaRPr lang="en-ID" dirty="0"/>
+          </a:p>
+        </p:txBody>
+      </p:sp>
+      <p:sp>
+        <p:nvSpPr>
+          <p:cNvPr id="3" name="Content Placeholder 2">
+            <a:extLst>
+              <a:ext uri="{FF2B5EF4-FFF2-40B4-BE49-F238E27FC236}">
+                <a16:creationId xmlns:a16="http://schemas.microsoft.com/office/drawing/2014/main" id="{933DBFF5-6349-4591-AF1E-2854EF2AA9F2}"/>
+              </a:ext>
+            </a:extLst>
+          </p:cNvPr>
+          <p:cNvSpPr>
+            <a:spLocks noGrp="1"/>
+          </p:cNvSpPr>
+          <p:nvPr>
+            <p:ph idx="1"/>
+          </p:nvPr>
+        </p:nvSpPr>
+        <p:spPr/>
+        <p:txBody>
+          <a:bodyPr>
+            <a:normAutofit fontScale="85000" lnSpcReduction="20000"/>
+          </a:bodyPr>
+          <a:lstStyle/>
+          <a:p>
+            <a:r>
+              <a:rPr lang="id-ID" dirty="0"/>
+              <a:t>komputer-komputer kelas server dengan prosesor sejenis Xeon atau Itanium.</a:t>
+            </a:r>
+          </a:p>
+          <a:p>
+            <a:r>
+              <a:rPr lang="id-ID" dirty="0"/>
+              <a:t>Intel pertama kali mengenalkan CPU dengan kemampuan Multi Threading pada Pentium 4 Hyper Threading.</a:t>
+            </a:r>
+          </a:p>
+          <a:p>
+            <a:r>
+              <a:rPr lang="id-ID" dirty="0"/>
+              <a:t>Pentium 4 Hyper Threading berarti dalam satu keping Processor terdapat dua unit pemroses.</a:t>
+            </a:r>
+          </a:p>
+          <a:p>
+            <a:r>
+              <a:rPr lang="id-ID" dirty="0"/>
+              <a:t>Perumpamaan, Processor Core i7 Quad Core akan memiliki kemampuan yang sama atau lebih baik dengan 8 Processor Pentium 4 tanpa Hyper Threading .</a:t>
+            </a:r>
+          </a:p>
+          <a:p>
+            <a:r>
+              <a:rPr lang="id-ID" dirty="0"/>
+              <a:t>Dengan adanya processor multi core dan multi threading maka programmer dapat mengembangkan aplikasi yang mampu menjalankan banyak perintah dalam satu waktu, dan akan di dapat aplikasi yang lebih cepat.</a:t>
+            </a:r>
+            <a:endParaRPr lang="en-ID" dirty="0"/>
+          </a:p>
+        </p:txBody>
+      </p:sp>
+    </p:spTree>
+    <p:extLst>
+      <p:ext uri="{BB962C8B-B14F-4D97-AF65-F5344CB8AC3E}">
+        <p14:creationId xmlns:p14="http://schemas.microsoft.com/office/powerpoint/2010/main" val="1933374768"/>
+      </p:ext>
+    </p:extLst>
+  </p:cSld>
+  <p:clrMapOvr>
+    <a:masterClrMapping/>
+  </p:clrMapOvr>
+</p:sld>
+</file>
+
+<file path=ppt/slides/slide22.xml><?xml version="1.0" encoding="utf-8"?>
+<p:sld xmlns:a="http://schemas.openxmlformats.org/drawingml/2006/main" xmlns:r="http://schemas.openxmlformats.org/officeDocument/2006/relationships" xmlns:p="http://schemas.openxmlformats.org/presentationml/2006/main">
+  <p:cSld>
+    <p:spTree>
+      <p:nvGrpSpPr>
+        <p:cNvPr id="1" name=""/>
+        <p:cNvGrpSpPr/>
+        <p:nvPr/>
+      </p:nvGrpSpPr>
+      <p:grpSpPr>
+        <a:xfrm>
+          <a:off x="0" y="0"/>
+          <a:ext cx="0" cy="0"/>
+          <a:chOff x="0" y="0"/>
+          <a:chExt cx="0" cy="0"/>
+        </a:xfrm>
+      </p:grpSpPr>
+      <p:sp>
+        <p:nvSpPr>
+          <p:cNvPr id="2" name="Title 1">
+            <a:extLst>
+              <a:ext uri="{FF2B5EF4-FFF2-40B4-BE49-F238E27FC236}">
+                <a16:creationId xmlns:a16="http://schemas.microsoft.com/office/drawing/2014/main" id="{062AD77F-F179-4D8C-A5AA-3D18FC0832BB}"/>
+              </a:ext>
+            </a:extLst>
+          </p:cNvPr>
+          <p:cNvSpPr>
+            <a:spLocks noGrp="1"/>
+          </p:cNvSpPr>
+          <p:nvPr>
+            <p:ph type="title"/>
+          </p:nvPr>
+        </p:nvSpPr>
+        <p:spPr/>
+        <p:txBody>
+          <a:bodyPr/>
+          <a:lstStyle/>
+          <a:p>
+            <a:r>
+              <a:rPr lang="id-ID" dirty="0"/>
+              <a:t>Multi Threading dalam Python</a:t>
+            </a:r>
+            <a:endParaRPr lang="en-ID" dirty="0"/>
+          </a:p>
+        </p:txBody>
+      </p:sp>
+      <p:sp>
+        <p:nvSpPr>
+          <p:cNvPr id="3" name="Content Placeholder 2">
+            <a:extLst>
+              <a:ext uri="{FF2B5EF4-FFF2-40B4-BE49-F238E27FC236}">
+                <a16:creationId xmlns:a16="http://schemas.microsoft.com/office/drawing/2014/main" id="{84C39F85-581A-43FE-A52B-7C9FE326C304}"/>
+              </a:ext>
+            </a:extLst>
+          </p:cNvPr>
+          <p:cNvSpPr>
+            <a:spLocks noGrp="1"/>
+          </p:cNvSpPr>
+          <p:nvPr>
+            <p:ph idx="1"/>
+          </p:nvPr>
+        </p:nvSpPr>
+        <p:spPr/>
+        <p:txBody>
+          <a:bodyPr/>
+          <a:lstStyle/>
+          <a:p>
+            <a:r>
+              <a:rPr lang="id-ID" dirty="0"/>
+              <a:t>Menjalankan sebuah thread dengan thread.start_new_thread(nama fungsi, args[, kwargs])</a:t>
+            </a:r>
+          </a:p>
+          <a:p>
+            <a:r>
+              <a:rPr lang="id-ID" dirty="0"/>
+              <a:t>Kwargs adalah opsional dictionary, sehingga sifatnya boleh ada boleh tidak</a:t>
+            </a:r>
+            <a:r>
+              <a:rPr lang="en-US"/>
+              <a:t>.</a:t>
+            </a:r>
+            <a:endParaRPr lang="en-ID"/>
+          </a:p>
+        </p:txBody>
+      </p:sp>
+    </p:spTree>
+    <p:extLst>
+      <p:ext uri="{BB962C8B-B14F-4D97-AF65-F5344CB8AC3E}">
+        <p14:creationId xmlns:p14="http://schemas.microsoft.com/office/powerpoint/2010/main" val="4071787305"/>
+      </p:ext>
+    </p:extLst>
+  </p:cSld>
+  <p:clrMapOvr>
+    <a:masterClrMapping/>
+  </p:clrMapOvr>
+</p:sld>
+</file>
+
 <file path=ppt/slides/slide3.xml><?xml version="1.0" encoding="utf-8"?>
 <p:sld xmlns:a="http://schemas.openxmlformats.org/drawingml/2006/main" xmlns:r="http://schemas.openxmlformats.org/officeDocument/2006/relationships" xmlns:p="http://schemas.openxmlformats.org/presentationml/2006/main">
   <p:cSld>
